--- a/oyas/slaves_rs485/fabrication/modele_2024/howto.pptx
+++ b/oyas/slaves_rs485/fabrication/modele_2024/howto.pptx
@@ -265,7 +265,7 @@
           <a:p>
             <a:fld id="{7F33ED73-A2C0-4FF3-844A-2E17AC728519}" type="datetimeFigureOut">
               <a:rPr lang="fr-FR" smtClean="0"/>
-              <a:t>02/06/2024</a:t>
+              <a:t>23/08/2024</a:t>
             </a:fld>
             <a:endParaRPr lang="fr-FR"/>
           </a:p>
@@ -463,7 +463,7 @@
           <a:p>
             <a:fld id="{7F33ED73-A2C0-4FF3-844A-2E17AC728519}" type="datetimeFigureOut">
               <a:rPr lang="fr-FR" smtClean="0"/>
-              <a:t>02/06/2024</a:t>
+              <a:t>23/08/2024</a:t>
             </a:fld>
             <a:endParaRPr lang="fr-FR"/>
           </a:p>
@@ -671,7 +671,7 @@
           <a:p>
             <a:fld id="{7F33ED73-A2C0-4FF3-844A-2E17AC728519}" type="datetimeFigureOut">
               <a:rPr lang="fr-FR" smtClean="0"/>
-              <a:t>02/06/2024</a:t>
+              <a:t>23/08/2024</a:t>
             </a:fld>
             <a:endParaRPr lang="fr-FR"/>
           </a:p>
@@ -869,7 +869,7 @@
           <a:p>
             <a:fld id="{7F33ED73-A2C0-4FF3-844A-2E17AC728519}" type="datetimeFigureOut">
               <a:rPr lang="fr-FR" smtClean="0"/>
-              <a:t>02/06/2024</a:t>
+              <a:t>23/08/2024</a:t>
             </a:fld>
             <a:endParaRPr lang="fr-FR"/>
           </a:p>
@@ -1144,7 +1144,7 @@
           <a:p>
             <a:fld id="{7F33ED73-A2C0-4FF3-844A-2E17AC728519}" type="datetimeFigureOut">
               <a:rPr lang="fr-FR" smtClean="0"/>
-              <a:t>02/06/2024</a:t>
+              <a:t>23/08/2024</a:t>
             </a:fld>
             <a:endParaRPr lang="fr-FR"/>
           </a:p>
@@ -1409,7 +1409,7 @@
           <a:p>
             <a:fld id="{7F33ED73-A2C0-4FF3-844A-2E17AC728519}" type="datetimeFigureOut">
               <a:rPr lang="fr-FR" smtClean="0"/>
-              <a:t>02/06/2024</a:t>
+              <a:t>23/08/2024</a:t>
             </a:fld>
             <a:endParaRPr lang="fr-FR"/>
           </a:p>
@@ -1821,7 +1821,7 @@
           <a:p>
             <a:fld id="{7F33ED73-A2C0-4FF3-844A-2E17AC728519}" type="datetimeFigureOut">
               <a:rPr lang="fr-FR" smtClean="0"/>
-              <a:t>02/06/2024</a:t>
+              <a:t>23/08/2024</a:t>
             </a:fld>
             <a:endParaRPr lang="fr-FR"/>
           </a:p>
@@ -1962,7 +1962,7 @@
           <a:p>
             <a:fld id="{7F33ED73-A2C0-4FF3-844A-2E17AC728519}" type="datetimeFigureOut">
               <a:rPr lang="fr-FR" smtClean="0"/>
-              <a:t>02/06/2024</a:t>
+              <a:t>23/08/2024</a:t>
             </a:fld>
             <a:endParaRPr lang="fr-FR"/>
           </a:p>
@@ -2075,7 +2075,7 @@
           <a:p>
             <a:fld id="{7F33ED73-A2C0-4FF3-844A-2E17AC728519}" type="datetimeFigureOut">
               <a:rPr lang="fr-FR" smtClean="0"/>
-              <a:t>02/06/2024</a:t>
+              <a:t>23/08/2024</a:t>
             </a:fld>
             <a:endParaRPr lang="fr-FR"/>
           </a:p>
@@ -2386,7 +2386,7 @@
           <a:p>
             <a:fld id="{7F33ED73-A2C0-4FF3-844A-2E17AC728519}" type="datetimeFigureOut">
               <a:rPr lang="fr-FR" smtClean="0"/>
-              <a:t>02/06/2024</a:t>
+              <a:t>23/08/2024</a:t>
             </a:fld>
             <a:endParaRPr lang="fr-FR"/>
           </a:p>
@@ -2674,7 +2674,7 @@
           <a:p>
             <a:fld id="{7F33ED73-A2C0-4FF3-844A-2E17AC728519}" type="datetimeFigureOut">
               <a:rPr lang="fr-FR" smtClean="0"/>
-              <a:t>02/06/2024</a:t>
+              <a:t>23/08/2024</a:t>
             </a:fld>
             <a:endParaRPr lang="fr-FR"/>
           </a:p>
@@ -2915,7 +2915,7 @@
           <a:p>
             <a:fld id="{7F33ED73-A2C0-4FF3-844A-2E17AC728519}" type="datetimeFigureOut">
               <a:rPr lang="fr-FR" smtClean="0"/>
-              <a:t>02/06/2024</a:t>
+              <a:t>23/08/2024</a:t>
             </a:fld>
             <a:endParaRPr lang="fr-FR"/>
           </a:p>
@@ -3473,12 +3473,8 @@
               <a:buChar char="•"/>
             </a:pPr>
             <a:r>
-              <a:rPr lang="fr-FR" dirty="0"/>
-              <a:t>un </a:t>
-            </a:r>
-            <a:r>
-              <a:rPr lang="fr-FR" dirty="0" err="1"/>
-              <a:t>capeur</a:t>
+              <a:rPr lang="fr-FR"/>
+              <a:t>un capteur</a:t>
             </a:r>
             <a:endParaRPr lang="fr-FR" dirty="0"/>
           </a:p>
